--- a/Checkpoints Outline/Checkpoint 2/Checkpoint 2 - G16.pptx
+++ b/Checkpoints Outline/Checkpoint 2/Checkpoint 2 - G16.pptx
@@ -688,7 +688,7 @@
       </p:grpSpPr>
       <p:sp>
         <p:nvSpPr>
-          <p:cNvPr id="2" name="Slide Image Placeholder 1"/>
+          <p:cNvPr id="2" name="Marcador de Posição da Imagem do Diapositivo 1"/>
           <p:cNvSpPr>
             <a:spLocks noGrp="1" noRot="1" noChangeAspect="1"/>
           </p:cNvSpPr>
@@ -700,7 +700,7 @@
       </p:sp>
       <p:sp>
         <p:nvSpPr>
-          <p:cNvPr id="3" name="Notes Placeholder 2"/>
+          <p:cNvPr id="3" name="Marcador de Posição de Notas 2"/>
           <p:cNvSpPr>
             <a:spLocks noGrp="1"/>
           </p:cNvSpPr>
@@ -713,18 +713,41 @@
           <a:bodyPr/>
           <a:lstStyle/>
           <a:p>
-            <a:endParaRPr lang="en-US" baseline="0" dirty="0"/>
+            <a:pPr marL="0" marR="0" lvl="0" indent="0" algn="l" defTabSz="914400" rtl="0" eaLnBrk="1" fontAlgn="auto" latinLnBrk="0" hangingPunct="1">
+              <a:lnSpc>
+                <a:spcPct val="100000"/>
+              </a:lnSpc>
+              <a:spcBef>
+                <a:spcPts val="0"/>
+              </a:spcBef>
+              <a:spcAft>
+                <a:spcPts val="0"/>
+              </a:spcAft>
+              <a:buClrTx/>
+              <a:buSzTx/>
+              <a:buFontTx/>
+              <a:buNone/>
+              <a:tabLst/>
+              <a:defRPr/>
+            </a:pPr>
+            <a:r>
+              <a:rPr lang="en-US" baseline="0" dirty="0"/>
+              <a:t>Daniel 1-9</a:t>
+            </a:r>
+          </a:p>
+          <a:p>
+            <a:endParaRPr lang="pt-PT" dirty="0"/>
           </a:p>
         </p:txBody>
       </p:sp>
       <p:sp>
         <p:nvSpPr>
-          <p:cNvPr id="4" name="Slide Number Placeholder 3"/>
+          <p:cNvPr id="4" name="Marcador de Posição do Número do Diapositivo 3"/>
           <p:cNvSpPr>
             <a:spLocks noGrp="1"/>
           </p:cNvSpPr>
           <p:nvPr>
-            <p:ph type="sldNum" sz="quarter" idx="10"/>
+            <p:ph type="sldNum" sz="quarter" idx="5"/>
           </p:nvPr>
         </p:nvSpPr>
         <p:spPr/>
@@ -735,7 +758,7 @@
             <a:fld id="{F535F173-C1DD-4975-94BF-5B9ED67F7674}" type="slidenum">
               <a:rPr lang="en-US" smtClean="0"/>
               <a:pPr/>
-              <a:t>3</a:t>
+              <a:t>1</a:t>
             </a:fld>
             <a:endParaRPr lang="en-US"/>
           </a:p>
@@ -744,7 +767,7 @@
     </p:spTree>
     <p:extLst>
       <p:ext uri="{BB962C8B-B14F-4D97-AF65-F5344CB8AC3E}">
-        <p14:creationId xmlns:p14="http://schemas.microsoft.com/office/powerpoint/2010/main" val="1355792998"/>
+        <p14:creationId xmlns:p14="http://schemas.microsoft.com/office/powerpoint/2010/main" val="3151985932"/>
       </p:ext>
     </p:extLst>
   </p:cSld>
@@ -820,7 +843,7 @@
             <a:fld id="{F535F173-C1DD-4975-94BF-5B9ED67F7674}" type="slidenum">
               <a:rPr lang="en-US" smtClean="0"/>
               <a:pPr/>
-              <a:t>14</a:t>
+              <a:t>12</a:t>
             </a:fld>
             <a:endParaRPr lang="en-US"/>
           </a:p>
@@ -829,7 +852,7 @@
     </p:spTree>
     <p:extLst>
       <p:ext uri="{BB962C8B-B14F-4D97-AF65-F5344CB8AC3E}">
-        <p14:creationId xmlns:p14="http://schemas.microsoft.com/office/powerpoint/2010/main" val="1866339172"/>
+        <p14:creationId xmlns:p14="http://schemas.microsoft.com/office/powerpoint/2010/main" val="3410141596"/>
       </p:ext>
     </p:extLst>
   </p:cSld>
@@ -905,7 +928,7 @@
             <a:fld id="{F535F173-C1DD-4975-94BF-5B9ED67F7674}" type="slidenum">
               <a:rPr lang="en-US" smtClean="0"/>
               <a:pPr/>
-              <a:t>16</a:t>
+              <a:t>13</a:t>
             </a:fld>
             <a:endParaRPr lang="en-US"/>
           </a:p>
@@ -914,7 +937,7 @@
     </p:spTree>
     <p:extLst>
       <p:ext uri="{BB962C8B-B14F-4D97-AF65-F5344CB8AC3E}">
-        <p14:creationId xmlns:p14="http://schemas.microsoft.com/office/powerpoint/2010/main" val="1355792998"/>
+        <p14:creationId xmlns:p14="http://schemas.microsoft.com/office/powerpoint/2010/main" val="2764351745"/>
       </p:ext>
     </p:extLst>
   </p:cSld>
@@ -990,7 +1013,7 @@
             <a:fld id="{F535F173-C1DD-4975-94BF-5B9ED67F7674}" type="slidenum">
               <a:rPr lang="en-US" smtClean="0"/>
               <a:pPr/>
-              <a:t>17</a:t>
+              <a:t>14</a:t>
             </a:fld>
             <a:endParaRPr lang="en-US"/>
           </a:p>
@@ -999,7 +1022,7 @@
     </p:spTree>
     <p:extLst>
       <p:ext uri="{BB962C8B-B14F-4D97-AF65-F5344CB8AC3E}">
-        <p14:creationId xmlns:p14="http://schemas.microsoft.com/office/powerpoint/2010/main" val="1355792998"/>
+        <p14:creationId xmlns:p14="http://schemas.microsoft.com/office/powerpoint/2010/main" val="1866339172"/>
       </p:ext>
     </p:extLst>
   </p:cSld>
@@ -1028,7 +1051,7 @@
       </p:grpSpPr>
       <p:sp>
         <p:nvSpPr>
-          <p:cNvPr id="2" name="Slide Image Placeholder 1"/>
+          <p:cNvPr id="2" name="Marcador de Posição da Imagem do Diapositivo 1"/>
           <p:cNvSpPr>
             <a:spLocks noGrp="1" noRot="1" noChangeAspect="1"/>
           </p:cNvSpPr>
@@ -1040,7 +1063,7 @@
       </p:sp>
       <p:sp>
         <p:nvSpPr>
-          <p:cNvPr id="3" name="Notes Placeholder 2"/>
+          <p:cNvPr id="3" name="Marcador de Posição de Notas 2"/>
           <p:cNvSpPr>
             <a:spLocks noGrp="1"/>
           </p:cNvSpPr>
@@ -1053,18 +1076,21 @@
           <a:bodyPr/>
           <a:lstStyle/>
           <a:p>
-            <a:endParaRPr lang="en-US" baseline="0" dirty="0"/>
+            <a:r>
+              <a:rPr lang="pt-PT" dirty="0"/>
+              <a:t>Sousa 15-20</a:t>
+            </a:r>
           </a:p>
         </p:txBody>
       </p:sp>
       <p:sp>
         <p:nvSpPr>
-          <p:cNvPr id="4" name="Slide Number Placeholder 3"/>
+          <p:cNvPr id="4" name="Marcador de Posição do Número do Diapositivo 3"/>
           <p:cNvSpPr>
             <a:spLocks noGrp="1"/>
           </p:cNvSpPr>
           <p:nvPr>
-            <p:ph type="sldNum" sz="quarter" idx="10"/>
+            <p:ph type="sldNum" sz="quarter" idx="5"/>
           </p:nvPr>
         </p:nvSpPr>
         <p:spPr/>
@@ -1075,7 +1101,7 @@
             <a:fld id="{F535F173-C1DD-4975-94BF-5B9ED67F7674}" type="slidenum">
               <a:rPr lang="en-US" smtClean="0"/>
               <a:pPr/>
-              <a:t>19</a:t>
+              <a:t>15</a:t>
             </a:fld>
             <a:endParaRPr lang="en-US"/>
           </a:p>
@@ -1084,7 +1110,7 @@
     </p:spTree>
     <p:extLst>
       <p:ext uri="{BB962C8B-B14F-4D97-AF65-F5344CB8AC3E}">
-        <p14:creationId xmlns:p14="http://schemas.microsoft.com/office/powerpoint/2010/main" val="35205596"/>
+        <p14:creationId xmlns:p14="http://schemas.microsoft.com/office/powerpoint/2010/main" val="2505858041"/>
       </p:ext>
     </p:extLst>
   </p:cSld>
@@ -1160,7 +1186,7 @@
             <a:fld id="{F535F173-C1DD-4975-94BF-5B9ED67F7674}" type="slidenum">
               <a:rPr lang="en-US" smtClean="0"/>
               <a:pPr/>
-              <a:t>20</a:t>
+              <a:t>16</a:t>
             </a:fld>
             <a:endParaRPr lang="en-US"/>
           </a:p>
@@ -1169,7 +1195,7 @@
     </p:spTree>
     <p:extLst>
       <p:ext uri="{BB962C8B-B14F-4D97-AF65-F5344CB8AC3E}">
-        <p14:creationId xmlns:p14="http://schemas.microsoft.com/office/powerpoint/2010/main" val="1949324998"/>
+        <p14:creationId xmlns:p14="http://schemas.microsoft.com/office/powerpoint/2010/main" val="1355792998"/>
       </p:ext>
     </p:extLst>
   </p:cSld>
@@ -1245,7 +1271,7 @@
             <a:fld id="{F535F173-C1DD-4975-94BF-5B9ED67F7674}" type="slidenum">
               <a:rPr lang="en-US" smtClean="0"/>
               <a:pPr/>
-              <a:t>21</a:t>
+              <a:t>17</a:t>
             </a:fld>
             <a:endParaRPr lang="en-US"/>
           </a:p>
@@ -1254,7 +1280,7 @@
     </p:spTree>
     <p:extLst>
       <p:ext uri="{BB962C8B-B14F-4D97-AF65-F5344CB8AC3E}">
-        <p14:creationId xmlns:p14="http://schemas.microsoft.com/office/powerpoint/2010/main" val="1544173341"/>
+        <p14:creationId xmlns:p14="http://schemas.microsoft.com/office/powerpoint/2010/main" val="1355792998"/>
       </p:ext>
     </p:extLst>
   </p:cSld>
@@ -1330,7 +1356,7 @@
             <a:fld id="{F535F173-C1DD-4975-94BF-5B9ED67F7674}" type="slidenum">
               <a:rPr lang="en-US" smtClean="0"/>
               <a:pPr/>
-              <a:t>22</a:t>
+              <a:t>19</a:t>
             </a:fld>
             <a:endParaRPr lang="en-US"/>
           </a:p>
@@ -1339,7 +1365,7 @@
     </p:spTree>
     <p:extLst>
       <p:ext uri="{BB962C8B-B14F-4D97-AF65-F5344CB8AC3E}">
-        <p14:creationId xmlns:p14="http://schemas.microsoft.com/office/powerpoint/2010/main" val="879619230"/>
+        <p14:creationId xmlns:p14="http://schemas.microsoft.com/office/powerpoint/2010/main" val="35205596"/>
       </p:ext>
     </p:extLst>
   </p:cSld>
@@ -1415,7 +1441,7 @@
             <a:fld id="{F535F173-C1DD-4975-94BF-5B9ED67F7674}" type="slidenum">
               <a:rPr lang="en-US" smtClean="0"/>
               <a:pPr/>
-              <a:t>23</a:t>
+              <a:t>20</a:t>
             </a:fld>
             <a:endParaRPr lang="en-US"/>
           </a:p>
@@ -1424,7 +1450,180 @@
     </p:spTree>
     <p:extLst>
       <p:ext uri="{BB962C8B-B14F-4D97-AF65-F5344CB8AC3E}">
-        <p14:creationId xmlns:p14="http://schemas.microsoft.com/office/powerpoint/2010/main" val="3006847688"/>
+        <p14:creationId xmlns:p14="http://schemas.microsoft.com/office/powerpoint/2010/main" val="1949324998"/>
+      </p:ext>
+    </p:extLst>
+  </p:cSld>
+  <p:clrMapOvr>
+    <a:masterClrMapping/>
+  </p:clrMapOvr>
+</p:notes>
+</file>
+
+<file path=ppt/notesSlides/notesSlide18.xml><?xml version="1.0" encoding="utf-8"?>
+<p:notes xmlns:a="http://schemas.openxmlformats.org/drawingml/2006/main" xmlns:r="http://schemas.openxmlformats.org/officeDocument/2006/relationships" xmlns:p="http://schemas.openxmlformats.org/presentationml/2006/main">
+  <p:cSld>
+    <p:spTree>
+      <p:nvGrpSpPr>
+        <p:cNvPr id="1" name=""/>
+        <p:cNvGrpSpPr/>
+        <p:nvPr/>
+      </p:nvGrpSpPr>
+      <p:grpSpPr>
+        <a:xfrm>
+          <a:off x="0" y="0"/>
+          <a:ext cx="0" cy="0"/>
+          <a:chOff x="0" y="0"/>
+          <a:chExt cx="0" cy="0"/>
+        </a:xfrm>
+      </p:grpSpPr>
+      <p:sp>
+        <p:nvSpPr>
+          <p:cNvPr id="2" name="Slide Image Placeholder 1"/>
+          <p:cNvSpPr>
+            <a:spLocks noGrp="1" noRot="1" noChangeAspect="1"/>
+          </p:cNvSpPr>
+          <p:nvPr>
+            <p:ph type="sldImg"/>
+          </p:nvPr>
+        </p:nvSpPr>
+        <p:spPr/>
+      </p:sp>
+      <p:sp>
+        <p:nvSpPr>
+          <p:cNvPr id="3" name="Notes Placeholder 2"/>
+          <p:cNvSpPr>
+            <a:spLocks noGrp="1"/>
+          </p:cNvSpPr>
+          <p:nvPr>
+            <p:ph type="body" idx="1"/>
+          </p:nvPr>
+        </p:nvSpPr>
+        <p:spPr/>
+        <p:txBody>
+          <a:bodyPr/>
+          <a:lstStyle/>
+          <a:p>
+            <a:r>
+              <a:rPr lang="en-US" baseline="0" dirty="0"/>
+              <a:t>Isabel 21 -23</a:t>
+            </a:r>
+          </a:p>
+        </p:txBody>
+      </p:sp>
+      <p:sp>
+        <p:nvSpPr>
+          <p:cNvPr id="4" name="Slide Number Placeholder 3"/>
+          <p:cNvSpPr>
+            <a:spLocks noGrp="1"/>
+          </p:cNvSpPr>
+          <p:nvPr>
+            <p:ph type="sldNum" sz="quarter" idx="10"/>
+          </p:nvPr>
+        </p:nvSpPr>
+        <p:spPr/>
+        <p:txBody>
+          <a:bodyPr/>
+          <a:lstStyle/>
+          <a:p>
+            <a:fld id="{F535F173-C1DD-4975-94BF-5B9ED67F7674}" type="slidenum">
+              <a:rPr lang="en-US" smtClean="0"/>
+              <a:pPr/>
+              <a:t>21</a:t>
+            </a:fld>
+            <a:endParaRPr lang="en-US"/>
+          </a:p>
+        </p:txBody>
+      </p:sp>
+    </p:spTree>
+    <p:extLst>
+      <p:ext uri="{BB962C8B-B14F-4D97-AF65-F5344CB8AC3E}">
+        <p14:creationId xmlns:p14="http://schemas.microsoft.com/office/powerpoint/2010/main" val="1544173341"/>
+      </p:ext>
+    </p:extLst>
+  </p:cSld>
+  <p:clrMapOvr>
+    <a:masterClrMapping/>
+  </p:clrMapOvr>
+</p:notes>
+</file>
+
+<file path=ppt/notesSlides/notesSlide19.xml><?xml version="1.0" encoding="utf-8"?>
+<p:notes xmlns:a="http://schemas.openxmlformats.org/drawingml/2006/main" xmlns:r="http://schemas.openxmlformats.org/officeDocument/2006/relationships" xmlns:p="http://schemas.openxmlformats.org/presentationml/2006/main">
+  <p:cSld>
+    <p:spTree>
+      <p:nvGrpSpPr>
+        <p:cNvPr id="1" name=""/>
+        <p:cNvGrpSpPr/>
+        <p:nvPr/>
+      </p:nvGrpSpPr>
+      <p:grpSpPr>
+        <a:xfrm>
+          <a:off x="0" y="0"/>
+          <a:ext cx="0" cy="0"/>
+          <a:chOff x="0" y="0"/>
+          <a:chExt cx="0" cy="0"/>
+        </a:xfrm>
+      </p:grpSpPr>
+      <p:sp>
+        <p:nvSpPr>
+          <p:cNvPr id="2" name="Slide Image Placeholder 1"/>
+          <p:cNvSpPr>
+            <a:spLocks noGrp="1" noRot="1" noChangeAspect="1"/>
+          </p:cNvSpPr>
+          <p:nvPr>
+            <p:ph type="sldImg"/>
+          </p:nvPr>
+        </p:nvSpPr>
+        <p:spPr/>
+      </p:sp>
+      <p:sp>
+        <p:nvSpPr>
+          <p:cNvPr id="3" name="Notes Placeholder 2"/>
+          <p:cNvSpPr>
+            <a:spLocks noGrp="1"/>
+          </p:cNvSpPr>
+          <p:nvPr>
+            <p:ph type="body" idx="1"/>
+          </p:nvPr>
+        </p:nvSpPr>
+        <p:spPr/>
+        <p:txBody>
+          <a:bodyPr/>
+          <a:lstStyle/>
+          <a:p>
+            <a:endParaRPr lang="en-US" baseline="0" dirty="0"/>
+          </a:p>
+        </p:txBody>
+      </p:sp>
+      <p:sp>
+        <p:nvSpPr>
+          <p:cNvPr id="4" name="Slide Number Placeholder 3"/>
+          <p:cNvSpPr>
+            <a:spLocks noGrp="1"/>
+          </p:cNvSpPr>
+          <p:nvPr>
+            <p:ph type="sldNum" sz="quarter" idx="10"/>
+          </p:nvPr>
+        </p:nvSpPr>
+        <p:spPr/>
+        <p:txBody>
+          <a:bodyPr/>
+          <a:lstStyle/>
+          <a:p>
+            <a:fld id="{F535F173-C1DD-4975-94BF-5B9ED67F7674}" type="slidenum">
+              <a:rPr lang="en-US" smtClean="0"/>
+              <a:pPr/>
+              <a:t>22</a:t>
+            </a:fld>
+            <a:endParaRPr lang="en-US"/>
+          </a:p>
+        </p:txBody>
+      </p:sp>
+    </p:spTree>
+    <p:extLst>
+      <p:ext uri="{BB962C8B-B14F-4D97-AF65-F5344CB8AC3E}">
+        <p14:creationId xmlns:p14="http://schemas.microsoft.com/office/powerpoint/2010/main" val="879619230"/>
       </p:ext>
     </p:extLst>
   </p:cSld>
@@ -1500,7 +1699,7 @@
             <a:fld id="{F535F173-C1DD-4975-94BF-5B9ED67F7674}" type="slidenum">
               <a:rPr lang="en-US" smtClean="0"/>
               <a:pPr/>
-              <a:t>4</a:t>
+              <a:t>3</a:t>
             </a:fld>
             <a:endParaRPr lang="en-US"/>
           </a:p>
@@ -1509,7 +1708,92 @@
     </p:spTree>
     <p:extLst>
       <p:ext uri="{BB962C8B-B14F-4D97-AF65-F5344CB8AC3E}">
-        <p14:creationId xmlns:p14="http://schemas.microsoft.com/office/powerpoint/2010/main" val="2581582459"/>
+        <p14:creationId xmlns:p14="http://schemas.microsoft.com/office/powerpoint/2010/main" val="1355792998"/>
+      </p:ext>
+    </p:extLst>
+  </p:cSld>
+  <p:clrMapOvr>
+    <a:masterClrMapping/>
+  </p:clrMapOvr>
+</p:notes>
+</file>
+
+<file path=ppt/notesSlides/notesSlide20.xml><?xml version="1.0" encoding="utf-8"?>
+<p:notes xmlns:a="http://schemas.openxmlformats.org/drawingml/2006/main" xmlns:r="http://schemas.openxmlformats.org/officeDocument/2006/relationships" xmlns:p="http://schemas.openxmlformats.org/presentationml/2006/main">
+  <p:cSld>
+    <p:spTree>
+      <p:nvGrpSpPr>
+        <p:cNvPr id="1" name=""/>
+        <p:cNvGrpSpPr/>
+        <p:nvPr/>
+      </p:nvGrpSpPr>
+      <p:grpSpPr>
+        <a:xfrm>
+          <a:off x="0" y="0"/>
+          <a:ext cx="0" cy="0"/>
+          <a:chOff x="0" y="0"/>
+          <a:chExt cx="0" cy="0"/>
+        </a:xfrm>
+      </p:grpSpPr>
+      <p:sp>
+        <p:nvSpPr>
+          <p:cNvPr id="2" name="Slide Image Placeholder 1"/>
+          <p:cNvSpPr>
+            <a:spLocks noGrp="1" noRot="1" noChangeAspect="1"/>
+          </p:cNvSpPr>
+          <p:nvPr>
+            <p:ph type="sldImg"/>
+          </p:nvPr>
+        </p:nvSpPr>
+        <p:spPr/>
+      </p:sp>
+      <p:sp>
+        <p:nvSpPr>
+          <p:cNvPr id="3" name="Notes Placeholder 2"/>
+          <p:cNvSpPr>
+            <a:spLocks noGrp="1"/>
+          </p:cNvSpPr>
+          <p:nvPr>
+            <p:ph type="body" idx="1"/>
+          </p:nvPr>
+        </p:nvSpPr>
+        <p:spPr/>
+        <p:txBody>
+          <a:bodyPr/>
+          <a:lstStyle/>
+          <a:p>
+            <a:endParaRPr lang="en-US" baseline="0" dirty="0"/>
+          </a:p>
+        </p:txBody>
+      </p:sp>
+      <p:sp>
+        <p:nvSpPr>
+          <p:cNvPr id="4" name="Slide Number Placeholder 3"/>
+          <p:cNvSpPr>
+            <a:spLocks noGrp="1"/>
+          </p:cNvSpPr>
+          <p:nvPr>
+            <p:ph type="sldNum" sz="quarter" idx="10"/>
+          </p:nvPr>
+        </p:nvSpPr>
+        <p:spPr/>
+        <p:txBody>
+          <a:bodyPr/>
+          <a:lstStyle/>
+          <a:p>
+            <a:fld id="{F535F173-C1DD-4975-94BF-5B9ED67F7674}" type="slidenum">
+              <a:rPr lang="en-US" smtClean="0"/>
+              <a:pPr/>
+              <a:t>23</a:t>
+            </a:fld>
+            <a:endParaRPr lang="en-US"/>
+          </a:p>
+        </p:txBody>
+      </p:sp>
+    </p:spTree>
+    <p:extLst>
+      <p:ext uri="{BB962C8B-B14F-4D97-AF65-F5344CB8AC3E}">
+        <p14:creationId xmlns:p14="http://schemas.microsoft.com/office/powerpoint/2010/main" val="3006847688"/>
       </p:ext>
     </p:extLst>
   </p:cSld>
@@ -1585,7 +1869,7 @@
             <a:fld id="{F535F173-C1DD-4975-94BF-5B9ED67F7674}" type="slidenum">
               <a:rPr lang="en-US" smtClean="0"/>
               <a:pPr/>
-              <a:t>5</a:t>
+              <a:t>4</a:t>
             </a:fld>
             <a:endParaRPr lang="en-US"/>
           </a:p>
@@ -1594,7 +1878,7 @@
     </p:spTree>
     <p:extLst>
       <p:ext uri="{BB962C8B-B14F-4D97-AF65-F5344CB8AC3E}">
-        <p14:creationId xmlns:p14="http://schemas.microsoft.com/office/powerpoint/2010/main" val="2285814820"/>
+        <p14:creationId xmlns:p14="http://schemas.microsoft.com/office/powerpoint/2010/main" val="2581582459"/>
       </p:ext>
     </p:extLst>
   </p:cSld>
@@ -1670,7 +1954,7 @@
             <a:fld id="{F535F173-C1DD-4975-94BF-5B9ED67F7674}" type="slidenum">
               <a:rPr lang="en-US" smtClean="0"/>
               <a:pPr/>
-              <a:t>6</a:t>
+              <a:t>5</a:t>
             </a:fld>
             <a:endParaRPr lang="en-US"/>
           </a:p>
@@ -1679,7 +1963,7 @@
     </p:spTree>
     <p:extLst>
       <p:ext uri="{BB962C8B-B14F-4D97-AF65-F5344CB8AC3E}">
-        <p14:creationId xmlns:p14="http://schemas.microsoft.com/office/powerpoint/2010/main" val="3782954457"/>
+        <p14:creationId xmlns:p14="http://schemas.microsoft.com/office/powerpoint/2010/main" val="2285814820"/>
       </p:ext>
     </p:extLst>
   </p:cSld>
@@ -1755,7 +2039,7 @@
             <a:fld id="{F535F173-C1DD-4975-94BF-5B9ED67F7674}" type="slidenum">
               <a:rPr lang="en-US" smtClean="0"/>
               <a:pPr/>
-              <a:t>8</a:t>
+              <a:t>6</a:t>
             </a:fld>
             <a:endParaRPr lang="en-US"/>
           </a:p>
@@ -1764,7 +2048,7 @@
     </p:spTree>
     <p:extLst>
       <p:ext uri="{BB962C8B-B14F-4D97-AF65-F5344CB8AC3E}">
-        <p14:creationId xmlns:p14="http://schemas.microsoft.com/office/powerpoint/2010/main" val="1355792998"/>
+        <p14:creationId xmlns:p14="http://schemas.microsoft.com/office/powerpoint/2010/main" val="3782954457"/>
       </p:ext>
     </p:extLst>
   </p:cSld>
@@ -1840,7 +2124,7 @@
             <a:fld id="{F535F173-C1DD-4975-94BF-5B9ED67F7674}" type="slidenum">
               <a:rPr lang="en-US" smtClean="0"/>
               <a:pPr/>
-              <a:t>9</a:t>
+              <a:t>8</a:t>
             </a:fld>
             <a:endParaRPr lang="en-US"/>
           </a:p>
@@ -1903,7 +2187,10 @@
           <a:bodyPr/>
           <a:lstStyle/>
           <a:p>
-            <a:endParaRPr lang="en-US" baseline="0" dirty="0"/>
+            <a:r>
+              <a:rPr lang="en-US" baseline="0" dirty="0"/>
+              <a:t>Daniel 1-9</a:t>
+            </a:r>
           </a:p>
         </p:txBody>
       </p:sp>
@@ -1925,7 +2212,7 @@
             <a:fld id="{F535F173-C1DD-4975-94BF-5B9ED67F7674}" type="slidenum">
               <a:rPr lang="en-US" smtClean="0"/>
               <a:pPr/>
-              <a:t>11</a:t>
+              <a:t>9</a:t>
             </a:fld>
             <a:endParaRPr lang="en-US"/>
           </a:p>
@@ -1934,7 +2221,7 @@
     </p:spTree>
     <p:extLst>
       <p:ext uri="{BB962C8B-B14F-4D97-AF65-F5344CB8AC3E}">
-        <p14:creationId xmlns:p14="http://schemas.microsoft.com/office/powerpoint/2010/main" val="1268459026"/>
+        <p14:creationId xmlns:p14="http://schemas.microsoft.com/office/powerpoint/2010/main" val="1355792998"/>
       </p:ext>
     </p:extLst>
   </p:cSld>
@@ -1963,7 +2250,7 @@
       </p:grpSpPr>
       <p:sp>
         <p:nvSpPr>
-          <p:cNvPr id="2" name="Slide Image Placeholder 1"/>
+          <p:cNvPr id="2" name="Marcador de Posição da Imagem do Diapositivo 1"/>
           <p:cNvSpPr>
             <a:spLocks noGrp="1" noRot="1" noChangeAspect="1"/>
           </p:cNvSpPr>
@@ -1975,7 +2262,7 @@
       </p:sp>
       <p:sp>
         <p:nvSpPr>
-          <p:cNvPr id="3" name="Notes Placeholder 2"/>
+          <p:cNvPr id="3" name="Marcador de Posição de Notas 2"/>
           <p:cNvSpPr>
             <a:spLocks noGrp="1"/>
           </p:cNvSpPr>
@@ -1988,18 +2275,21 @@
           <a:bodyPr/>
           <a:lstStyle/>
           <a:p>
-            <a:endParaRPr lang="en-US" baseline="0" dirty="0"/>
+            <a:r>
+              <a:rPr lang="pt-PT" dirty="0"/>
+              <a:t>Isabel 10-14</a:t>
+            </a:r>
           </a:p>
         </p:txBody>
       </p:sp>
       <p:sp>
         <p:nvSpPr>
-          <p:cNvPr id="4" name="Slide Number Placeholder 3"/>
+          <p:cNvPr id="4" name="Marcador de Posição do Número do Diapositivo 3"/>
           <p:cNvSpPr>
             <a:spLocks noGrp="1"/>
           </p:cNvSpPr>
           <p:nvPr>
-            <p:ph type="sldNum" sz="quarter" idx="10"/>
+            <p:ph type="sldNum" sz="quarter" idx="5"/>
           </p:nvPr>
         </p:nvSpPr>
         <p:spPr/>
@@ -2010,7 +2300,7 @@
             <a:fld id="{F535F173-C1DD-4975-94BF-5B9ED67F7674}" type="slidenum">
               <a:rPr lang="en-US" smtClean="0"/>
               <a:pPr/>
-              <a:t>12</a:t>
+              <a:t>10</a:t>
             </a:fld>
             <a:endParaRPr lang="en-US"/>
           </a:p>
@@ -2019,7 +2309,7 @@
     </p:spTree>
     <p:extLst>
       <p:ext uri="{BB962C8B-B14F-4D97-AF65-F5344CB8AC3E}">
-        <p14:creationId xmlns:p14="http://schemas.microsoft.com/office/powerpoint/2010/main" val="3410141596"/>
+        <p14:creationId xmlns:p14="http://schemas.microsoft.com/office/powerpoint/2010/main" val="1740293367"/>
       </p:ext>
     </p:extLst>
   </p:cSld>
@@ -2095,7 +2385,7 @@
             <a:fld id="{F535F173-C1DD-4975-94BF-5B9ED67F7674}" type="slidenum">
               <a:rPr lang="en-US" smtClean="0"/>
               <a:pPr/>
-              <a:t>13</a:t>
+              <a:t>11</a:t>
             </a:fld>
             <a:endParaRPr lang="en-US"/>
           </a:p>
@@ -2104,7 +2394,7 @@
     </p:spTree>
     <p:extLst>
       <p:ext uri="{BB962C8B-B14F-4D97-AF65-F5344CB8AC3E}">
-        <p14:creationId xmlns:p14="http://schemas.microsoft.com/office/powerpoint/2010/main" val="2764351745"/>
+        <p14:creationId xmlns:p14="http://schemas.microsoft.com/office/powerpoint/2010/main" val="1268459026"/>
       </p:ext>
     </p:extLst>
   </p:cSld>
@@ -4792,7 +5082,215 @@
                   <a:schemeClr val="tx1"/>
                 </a:solidFill>
               </a:rPr>
-              <a:t>The first dataset ModelsParsed.csv is of Table type with 8186 items each with 28 attributes that describe it. Each item of this dataset represents a phone model produced.</a:t>
+              <a:t>O </a:t>
+            </a:r>
+            <a:r>
+              <a:rPr lang="en-US" sz="2800" b="0" dirty="0" err="1">
+                <a:solidFill>
+                  <a:schemeClr val="tx1"/>
+                </a:solidFill>
+              </a:rPr>
+              <a:t>primeiro</a:t>
+            </a:r>
+            <a:r>
+              <a:rPr lang="en-US" sz="2800" b="0" dirty="0">
+                <a:solidFill>
+                  <a:schemeClr val="tx1"/>
+                </a:solidFill>
+              </a:rPr>
+              <a:t> dataset ModelsParsed.csv é  do </a:t>
+            </a:r>
+            <a:r>
+              <a:rPr lang="en-US" sz="2800" b="0" dirty="0" err="1">
+                <a:solidFill>
+                  <a:schemeClr val="tx1"/>
+                </a:solidFill>
+              </a:rPr>
+              <a:t>tipo</a:t>
+            </a:r>
+            <a:r>
+              <a:rPr lang="en-US" sz="2800" b="0" dirty="0">
+                <a:solidFill>
+                  <a:schemeClr val="tx1"/>
+                </a:solidFill>
+              </a:rPr>
+              <a:t> </a:t>
+            </a:r>
+            <a:r>
+              <a:rPr lang="en-US" sz="2800" b="0" dirty="0" err="1">
+                <a:solidFill>
+                  <a:schemeClr val="tx1"/>
+                </a:solidFill>
+              </a:rPr>
+              <a:t>tabela</a:t>
+            </a:r>
+            <a:r>
+              <a:rPr lang="en-US" sz="2800" b="0" dirty="0">
+                <a:solidFill>
+                  <a:schemeClr val="tx1"/>
+                </a:solidFill>
+              </a:rPr>
+              <a:t> com 8186 items </a:t>
+            </a:r>
+            <a:r>
+              <a:rPr lang="en-US" sz="2800" b="0" dirty="0" err="1">
+                <a:solidFill>
+                  <a:schemeClr val="tx1"/>
+                </a:solidFill>
+              </a:rPr>
+              <a:t>cada</a:t>
+            </a:r>
+            <a:r>
+              <a:rPr lang="en-US" sz="2800" b="0" dirty="0">
+                <a:solidFill>
+                  <a:schemeClr val="tx1"/>
+                </a:solidFill>
+              </a:rPr>
+              <a:t> com 28 </a:t>
+            </a:r>
+            <a:r>
+              <a:rPr lang="en-US" sz="2800" b="0" dirty="0" err="1">
+                <a:solidFill>
+                  <a:schemeClr val="tx1"/>
+                </a:solidFill>
+              </a:rPr>
+              <a:t>atributos</a:t>
+            </a:r>
+            <a:r>
+              <a:rPr lang="en-US" sz="2800" b="0" dirty="0">
+                <a:solidFill>
+                  <a:schemeClr val="tx1"/>
+                </a:solidFill>
+              </a:rPr>
+              <a:t> que </a:t>
+            </a:r>
+            <a:r>
+              <a:rPr lang="en-US" sz="2800" b="0" dirty="0" err="1">
+                <a:solidFill>
+                  <a:schemeClr val="tx1"/>
+                </a:solidFill>
+              </a:rPr>
+              <a:t>descrevem</a:t>
+            </a:r>
+            <a:r>
+              <a:rPr lang="en-US" sz="2800" b="0" dirty="0">
+                <a:solidFill>
+                  <a:schemeClr val="tx1"/>
+                </a:solidFill>
+              </a:rPr>
+              <a:t> o </a:t>
+            </a:r>
+            <a:r>
+              <a:rPr lang="en-US" sz="2800" b="0" dirty="0" err="1">
+                <a:solidFill>
+                  <a:schemeClr val="tx1"/>
+                </a:solidFill>
+              </a:rPr>
+              <a:t>mesmo</a:t>
+            </a:r>
+            <a:r>
+              <a:rPr lang="en-US" sz="2800" b="0" dirty="0">
+                <a:solidFill>
+                  <a:schemeClr val="tx1"/>
+                </a:solidFill>
+              </a:rPr>
+              <a:t>. </a:t>
+            </a:r>
+            <a:r>
+              <a:rPr lang="en-US" sz="2800" b="0" dirty="0" err="1">
+                <a:solidFill>
+                  <a:schemeClr val="tx1"/>
+                </a:solidFill>
+              </a:rPr>
+              <a:t>Cada</a:t>
+            </a:r>
+            <a:r>
+              <a:rPr lang="en-US" sz="2800" b="0" dirty="0">
+                <a:solidFill>
+                  <a:schemeClr val="tx1"/>
+                </a:solidFill>
+              </a:rPr>
+              <a:t> item </a:t>
+            </a:r>
+            <a:r>
+              <a:rPr lang="en-US" sz="2800" b="0" dirty="0" err="1">
+                <a:solidFill>
+                  <a:schemeClr val="tx1"/>
+                </a:solidFill>
+              </a:rPr>
+              <a:t>deste</a:t>
+            </a:r>
+            <a:r>
+              <a:rPr lang="en-US" sz="2800" b="0" dirty="0">
+                <a:solidFill>
+                  <a:schemeClr val="tx1"/>
+                </a:solidFill>
+              </a:rPr>
+              <a:t> dataset </a:t>
+            </a:r>
+            <a:r>
+              <a:rPr lang="en-US" sz="2800" b="0" dirty="0" err="1">
+                <a:solidFill>
+                  <a:schemeClr val="tx1"/>
+                </a:solidFill>
+              </a:rPr>
+              <a:t>representa</a:t>
+            </a:r>
+            <a:r>
+              <a:rPr lang="en-US" sz="2800" b="0" dirty="0">
+                <a:solidFill>
+                  <a:schemeClr val="tx1"/>
+                </a:solidFill>
+              </a:rPr>
+              <a:t> um </a:t>
+            </a:r>
+            <a:r>
+              <a:rPr lang="en-US" sz="2800" b="0" dirty="0" err="1">
+                <a:solidFill>
+                  <a:schemeClr val="tx1"/>
+                </a:solidFill>
+              </a:rPr>
+              <a:t>modelo</a:t>
+            </a:r>
+            <a:r>
+              <a:rPr lang="en-US" sz="2800" b="0" dirty="0">
+                <a:solidFill>
+                  <a:schemeClr val="tx1"/>
+                </a:solidFill>
+              </a:rPr>
+              <a:t> de </a:t>
+            </a:r>
+            <a:r>
+              <a:rPr lang="en-US" sz="2800" b="0" dirty="0" err="1">
+                <a:solidFill>
+                  <a:schemeClr val="tx1"/>
+                </a:solidFill>
+              </a:rPr>
+              <a:t>telemóvel</a:t>
+            </a:r>
+            <a:r>
+              <a:rPr lang="en-US" sz="2800" b="0" dirty="0">
+                <a:solidFill>
+                  <a:schemeClr val="tx1"/>
+                </a:solidFill>
+              </a:rPr>
+              <a:t> </a:t>
+            </a:r>
+            <a:r>
+              <a:rPr lang="en-US" sz="2800" b="0" dirty="0" err="1">
+                <a:solidFill>
+                  <a:schemeClr val="tx1"/>
+                </a:solidFill>
+              </a:rPr>
+              <a:t>produzido</a:t>
+            </a:r>
+            <a:r>
+              <a:rPr lang="en-US" sz="2800" b="0" dirty="0">
+                <a:solidFill>
+                  <a:schemeClr val="tx1"/>
+                </a:solidFill>
+              </a:rPr>
+              <a:t>.</a:t>
             </a:r>
           </a:p>
           <a:p>
@@ -5848,7 +6346,7 @@
                         </a:spcAft>
                       </a:pPr>
                       <a:r>
-                        <a:rPr lang="pt-PT" sz="2000" b="0" i="0" u="none" strike="noStrike">
+                        <a:rPr lang="pt-PT" sz="2000" b="0" i="0" u="none" strike="noStrike" dirty="0">
                           <a:solidFill>
                             <a:srgbClr val="000000"/>
                           </a:solidFill>
@@ -5859,7 +6357,7 @@
                         </a:rPr>
                         <a:t>Nominal</a:t>
                       </a:r>
-                      <a:endParaRPr lang="pt-PT" sz="2000" b="0" i="0" u="none" strike="noStrike">
+                      <a:endParaRPr lang="pt-PT" sz="2000" b="0" i="0" u="none" strike="noStrike" dirty="0">
                         <a:effectLst/>
                         <a:latin typeface="Arial" panose="020B0604020202020204" pitchFamily="34" charset="0"/>
                       </a:endParaRPr>
@@ -8178,7 +8676,231 @@
                   <a:schemeClr val="tx1"/>
                 </a:solidFill>
               </a:rPr>
-              <a:t>The second dataset BrandsParsed.csv is of Table type with 1239 items each with 4 attributes that describe it. Each item of this dataset represents a record of a given brand in a given year.</a:t>
+              <a:t>O </a:t>
+            </a:r>
+            <a:r>
+              <a:rPr lang="en-US" sz="2800" b="0" dirty="0" err="1">
+                <a:solidFill>
+                  <a:schemeClr val="tx1"/>
+                </a:solidFill>
+              </a:rPr>
+              <a:t>segundo</a:t>
+            </a:r>
+            <a:r>
+              <a:rPr lang="en-US" sz="2800" b="0" dirty="0">
+                <a:solidFill>
+                  <a:schemeClr val="tx1"/>
+                </a:solidFill>
+              </a:rPr>
+              <a:t> dataset BrandsParsed.csv é do </a:t>
+            </a:r>
+            <a:r>
+              <a:rPr lang="en-US" sz="2800" b="0" dirty="0" err="1">
+                <a:solidFill>
+                  <a:schemeClr val="tx1"/>
+                </a:solidFill>
+              </a:rPr>
+              <a:t>tipo</a:t>
+            </a:r>
+            <a:r>
+              <a:rPr lang="en-US" sz="2800" b="0" dirty="0">
+                <a:solidFill>
+                  <a:schemeClr val="tx1"/>
+                </a:solidFill>
+              </a:rPr>
+              <a:t> </a:t>
+            </a:r>
+            <a:r>
+              <a:rPr lang="en-US" sz="2800" b="0" dirty="0" err="1">
+                <a:solidFill>
+                  <a:schemeClr val="tx1"/>
+                </a:solidFill>
+              </a:rPr>
+              <a:t>tabela</a:t>
+            </a:r>
+            <a:r>
+              <a:rPr lang="en-US" sz="2800" b="0" dirty="0">
+                <a:solidFill>
+                  <a:schemeClr val="tx1"/>
+                </a:solidFill>
+              </a:rPr>
+              <a:t> com 1239 items </a:t>
+            </a:r>
+            <a:r>
+              <a:rPr lang="en-US" sz="2800" b="0" dirty="0" err="1">
+                <a:solidFill>
+                  <a:schemeClr val="tx1"/>
+                </a:solidFill>
+              </a:rPr>
+              <a:t>cada</a:t>
+            </a:r>
+            <a:r>
+              <a:rPr lang="en-US" sz="2800" b="0" dirty="0">
+                <a:solidFill>
+                  <a:schemeClr val="tx1"/>
+                </a:solidFill>
+              </a:rPr>
+              <a:t> com 4 </a:t>
+            </a:r>
+            <a:r>
+              <a:rPr lang="en-US" sz="2800" b="0" dirty="0" err="1">
+                <a:solidFill>
+                  <a:schemeClr val="tx1"/>
+                </a:solidFill>
+              </a:rPr>
+              <a:t>atributos</a:t>
+            </a:r>
+            <a:r>
+              <a:rPr lang="en-US" sz="2800" b="0" dirty="0">
+                <a:solidFill>
+                  <a:schemeClr val="tx1"/>
+                </a:solidFill>
+              </a:rPr>
+              <a:t> que </a:t>
+            </a:r>
+            <a:r>
+              <a:rPr lang="en-US" sz="2800" b="0" dirty="0" err="1">
+                <a:solidFill>
+                  <a:schemeClr val="tx1"/>
+                </a:solidFill>
+              </a:rPr>
+              <a:t>descrevem</a:t>
+            </a:r>
+            <a:r>
+              <a:rPr lang="en-US" sz="2800" b="0" dirty="0">
+                <a:solidFill>
+                  <a:schemeClr val="tx1"/>
+                </a:solidFill>
+              </a:rPr>
+              <a:t> o </a:t>
+            </a:r>
+            <a:r>
+              <a:rPr lang="en-US" sz="2800" b="0" dirty="0" err="1">
+                <a:solidFill>
+                  <a:schemeClr val="tx1"/>
+                </a:solidFill>
+              </a:rPr>
+              <a:t>mesmo</a:t>
+            </a:r>
+            <a:r>
+              <a:rPr lang="en-US" sz="2800" b="0" dirty="0">
+                <a:solidFill>
+                  <a:schemeClr val="tx1"/>
+                </a:solidFill>
+              </a:rPr>
+              <a:t>. </a:t>
+            </a:r>
+            <a:r>
+              <a:rPr lang="en-US" sz="2800" b="0" dirty="0" err="1">
+                <a:solidFill>
+                  <a:schemeClr val="tx1"/>
+                </a:solidFill>
+              </a:rPr>
+              <a:t>Cada</a:t>
+            </a:r>
+            <a:r>
+              <a:rPr lang="en-US" sz="2800" b="0" dirty="0">
+                <a:solidFill>
+                  <a:schemeClr val="tx1"/>
+                </a:solidFill>
+              </a:rPr>
+              <a:t> item </a:t>
+            </a:r>
+            <a:r>
+              <a:rPr lang="en-US" sz="2800" b="0" dirty="0" err="1">
+                <a:solidFill>
+                  <a:schemeClr val="tx1"/>
+                </a:solidFill>
+              </a:rPr>
+              <a:t>deste</a:t>
+            </a:r>
+            <a:r>
+              <a:rPr lang="en-US" sz="2800" b="0" dirty="0">
+                <a:solidFill>
+                  <a:schemeClr val="tx1"/>
+                </a:solidFill>
+              </a:rPr>
+              <a:t> dataset </a:t>
+            </a:r>
+            <a:r>
+              <a:rPr lang="en-US" sz="2800" b="0" dirty="0" err="1">
+                <a:solidFill>
+                  <a:schemeClr val="tx1"/>
+                </a:solidFill>
+              </a:rPr>
+              <a:t>representa</a:t>
+            </a:r>
+            <a:r>
+              <a:rPr lang="en-US" sz="2800" b="0" dirty="0">
+                <a:solidFill>
+                  <a:schemeClr val="tx1"/>
+                </a:solidFill>
+              </a:rPr>
+              <a:t> um </a:t>
+            </a:r>
+            <a:r>
+              <a:rPr lang="en-US" sz="2800" b="0" dirty="0" err="1">
+                <a:solidFill>
+                  <a:schemeClr val="tx1"/>
+                </a:solidFill>
+              </a:rPr>
+              <a:t>registo</a:t>
+            </a:r>
+            <a:r>
+              <a:rPr lang="en-US" sz="2800" b="0" dirty="0">
+                <a:solidFill>
+                  <a:schemeClr val="tx1"/>
+                </a:solidFill>
+              </a:rPr>
+              <a:t> de </a:t>
+            </a:r>
+            <a:r>
+              <a:rPr lang="en-US" sz="2800" b="0" dirty="0" err="1">
+                <a:solidFill>
+                  <a:schemeClr val="tx1"/>
+                </a:solidFill>
+              </a:rPr>
+              <a:t>uma</a:t>
+            </a:r>
+            <a:r>
+              <a:rPr lang="en-US" sz="2800" b="0" dirty="0">
+                <a:solidFill>
+                  <a:schemeClr val="tx1"/>
+                </a:solidFill>
+              </a:rPr>
+              <a:t> </a:t>
+            </a:r>
+            <a:r>
+              <a:rPr lang="en-US" sz="2800" b="0" dirty="0" err="1">
+                <a:solidFill>
+                  <a:schemeClr val="tx1"/>
+                </a:solidFill>
+              </a:rPr>
+              <a:t>marca</a:t>
+            </a:r>
+            <a:r>
+              <a:rPr lang="en-US" sz="2800" b="0" dirty="0">
+                <a:solidFill>
+                  <a:schemeClr val="tx1"/>
+                </a:solidFill>
+              </a:rPr>
+              <a:t> num dado </a:t>
+            </a:r>
+            <a:r>
+              <a:rPr lang="en-US" sz="2800" b="0" dirty="0" err="1">
+                <a:solidFill>
+                  <a:schemeClr val="tx1"/>
+                </a:solidFill>
+              </a:rPr>
+              <a:t>ano</a:t>
+            </a:r>
+            <a:r>
+              <a:rPr lang="en-US" sz="2800" b="0" dirty="0">
+                <a:solidFill>
+                  <a:schemeClr val="tx1"/>
+                </a:solidFill>
+              </a:rPr>
+              <a:t>.</a:t>
             </a:r>
           </a:p>
         </p:txBody>
@@ -9312,7 +10034,652 @@
                 <a:ea typeface="Calibri" panose="020F0502020204030204" pitchFamily="34" charset="0"/>
                 <a:cs typeface="Times New Roman" panose="02020603050405020304" pitchFamily="18" charset="0"/>
               </a:rPr>
-              <a:t>The processing for the first final dataset was done mostly by parsing string attributes from the first original dataset and converting it into another type for the final dataset. For the second final dataset, we took the original data of the second original dataset (a table of Brand by Year, with the sales as values) and converted it into a table with columns Brand, Year, Sales and # Models (from the first original dataset). </a:t>
+              <a:t>O </a:t>
+            </a:r>
+            <a:r>
+              <a:rPr lang="en-US" sz="2800" b="0" dirty="0" err="1">
+                <a:solidFill>
+                  <a:schemeClr val="tx1"/>
+                </a:solidFill>
+                <a:effectLst/>
+                <a:latin typeface="Calibri" panose="020F0502020204030204" pitchFamily="34" charset="0"/>
+                <a:ea typeface="Calibri" panose="020F0502020204030204" pitchFamily="34" charset="0"/>
+                <a:cs typeface="Times New Roman" panose="02020603050405020304" pitchFamily="18" charset="0"/>
+              </a:rPr>
+              <a:t>processamento</a:t>
+            </a:r>
+            <a:r>
+              <a:rPr lang="en-US" sz="2800" b="0" dirty="0">
+                <a:solidFill>
+                  <a:schemeClr val="tx1"/>
+                </a:solidFill>
+                <a:latin typeface="Calibri" panose="020F0502020204030204" pitchFamily="34" charset="0"/>
+                <a:ea typeface="Calibri" panose="020F0502020204030204" pitchFamily="34" charset="0"/>
+                <a:cs typeface="Times New Roman" panose="02020603050405020304" pitchFamily="18" charset="0"/>
+              </a:rPr>
+              <a:t> do </a:t>
+            </a:r>
+            <a:r>
+              <a:rPr lang="en-US" sz="2800" b="0" dirty="0" err="1">
+                <a:solidFill>
+                  <a:schemeClr val="tx1"/>
+                </a:solidFill>
+                <a:latin typeface="Calibri" panose="020F0502020204030204" pitchFamily="34" charset="0"/>
+                <a:ea typeface="Calibri" panose="020F0502020204030204" pitchFamily="34" charset="0"/>
+                <a:cs typeface="Times New Roman" panose="02020603050405020304" pitchFamily="18" charset="0"/>
+              </a:rPr>
+              <a:t>primeiro</a:t>
+            </a:r>
+            <a:r>
+              <a:rPr lang="en-US" sz="2800" b="0" dirty="0">
+                <a:solidFill>
+                  <a:schemeClr val="tx1"/>
+                </a:solidFill>
+                <a:latin typeface="Calibri" panose="020F0502020204030204" pitchFamily="34" charset="0"/>
+                <a:ea typeface="Calibri" panose="020F0502020204030204" pitchFamily="34" charset="0"/>
+                <a:cs typeface="Times New Roman" panose="02020603050405020304" pitchFamily="18" charset="0"/>
+              </a:rPr>
+              <a:t> dataset final </a:t>
+            </a:r>
+            <a:r>
+              <a:rPr lang="en-US" sz="2800" b="0" dirty="0" err="1">
+                <a:solidFill>
+                  <a:schemeClr val="tx1"/>
+                </a:solidFill>
+                <a:latin typeface="Calibri" panose="020F0502020204030204" pitchFamily="34" charset="0"/>
+                <a:ea typeface="Calibri" panose="020F0502020204030204" pitchFamily="34" charset="0"/>
+                <a:cs typeface="Times New Roman" panose="02020603050405020304" pitchFamily="18" charset="0"/>
+              </a:rPr>
+              <a:t>foi</a:t>
+            </a:r>
+            <a:r>
+              <a:rPr lang="en-US" sz="2800" b="0" dirty="0">
+                <a:solidFill>
+                  <a:schemeClr val="tx1"/>
+                </a:solidFill>
+                <a:latin typeface="Calibri" panose="020F0502020204030204" pitchFamily="34" charset="0"/>
+                <a:ea typeface="Calibri" panose="020F0502020204030204" pitchFamily="34" charset="0"/>
+                <a:cs typeface="Times New Roman" panose="02020603050405020304" pitchFamily="18" charset="0"/>
+              </a:rPr>
+              <a:t> </a:t>
+            </a:r>
+            <a:r>
+              <a:rPr lang="en-US" sz="2800" b="0" dirty="0" err="1">
+                <a:solidFill>
+                  <a:schemeClr val="tx1"/>
+                </a:solidFill>
+                <a:latin typeface="Calibri" panose="020F0502020204030204" pitchFamily="34" charset="0"/>
+                <a:ea typeface="Calibri" panose="020F0502020204030204" pitchFamily="34" charset="0"/>
+                <a:cs typeface="Times New Roman" panose="02020603050405020304" pitchFamily="18" charset="0"/>
+              </a:rPr>
+              <a:t>realizado</a:t>
+            </a:r>
+            <a:r>
+              <a:rPr lang="en-US" sz="2800" b="0" dirty="0">
+                <a:solidFill>
+                  <a:schemeClr val="tx1"/>
+                </a:solidFill>
+                <a:latin typeface="Calibri" panose="020F0502020204030204" pitchFamily="34" charset="0"/>
+                <a:ea typeface="Calibri" panose="020F0502020204030204" pitchFamily="34" charset="0"/>
+                <a:cs typeface="Times New Roman" panose="02020603050405020304" pitchFamily="18" charset="0"/>
+              </a:rPr>
+              <a:t> </a:t>
+            </a:r>
+            <a:r>
+              <a:rPr lang="en-US" sz="2800" b="0" dirty="0" err="1">
+                <a:solidFill>
+                  <a:schemeClr val="tx1"/>
+                </a:solidFill>
+                <a:latin typeface="Calibri" panose="020F0502020204030204" pitchFamily="34" charset="0"/>
+                <a:ea typeface="Calibri" panose="020F0502020204030204" pitchFamily="34" charset="0"/>
+                <a:cs typeface="Times New Roman" panose="02020603050405020304" pitchFamily="18" charset="0"/>
+              </a:rPr>
+              <a:t>na</a:t>
+            </a:r>
+            <a:r>
+              <a:rPr lang="en-US" sz="2800" b="0" dirty="0">
+                <a:solidFill>
+                  <a:schemeClr val="tx1"/>
+                </a:solidFill>
+                <a:latin typeface="Calibri" panose="020F0502020204030204" pitchFamily="34" charset="0"/>
+                <a:ea typeface="Calibri" panose="020F0502020204030204" pitchFamily="34" charset="0"/>
+                <a:cs typeface="Times New Roman" panose="02020603050405020304" pitchFamily="18" charset="0"/>
+              </a:rPr>
+              <a:t> </a:t>
+            </a:r>
+            <a:r>
+              <a:rPr lang="en-US" sz="2800" b="0" dirty="0" err="1">
+                <a:solidFill>
+                  <a:schemeClr val="tx1"/>
+                </a:solidFill>
+                <a:latin typeface="Calibri" panose="020F0502020204030204" pitchFamily="34" charset="0"/>
+                <a:ea typeface="Calibri" panose="020F0502020204030204" pitchFamily="34" charset="0"/>
+                <a:cs typeface="Times New Roman" panose="02020603050405020304" pitchFamily="18" charset="0"/>
+              </a:rPr>
+              <a:t>maior</a:t>
+            </a:r>
+            <a:r>
+              <a:rPr lang="en-US" sz="2800" b="0" dirty="0">
+                <a:solidFill>
+                  <a:schemeClr val="tx1"/>
+                </a:solidFill>
+                <a:latin typeface="Calibri" panose="020F0502020204030204" pitchFamily="34" charset="0"/>
+                <a:ea typeface="Calibri" panose="020F0502020204030204" pitchFamily="34" charset="0"/>
+                <a:cs typeface="Times New Roman" panose="02020603050405020304" pitchFamily="18" charset="0"/>
+              </a:rPr>
+              <a:t> </a:t>
+            </a:r>
+            <a:r>
+              <a:rPr lang="en-US" sz="2800" b="0" dirty="0" err="1">
+                <a:solidFill>
+                  <a:schemeClr val="tx1"/>
+                </a:solidFill>
+                <a:latin typeface="Calibri" panose="020F0502020204030204" pitchFamily="34" charset="0"/>
+                <a:ea typeface="Calibri" panose="020F0502020204030204" pitchFamily="34" charset="0"/>
+                <a:cs typeface="Times New Roman" panose="02020603050405020304" pitchFamily="18" charset="0"/>
+              </a:rPr>
+              <a:t>parte</a:t>
+            </a:r>
+            <a:r>
+              <a:rPr lang="en-US" sz="2800" b="0" dirty="0">
+                <a:solidFill>
+                  <a:schemeClr val="tx1"/>
+                </a:solidFill>
+                <a:latin typeface="Calibri" panose="020F0502020204030204" pitchFamily="34" charset="0"/>
+                <a:ea typeface="Calibri" panose="020F0502020204030204" pitchFamily="34" charset="0"/>
+                <a:cs typeface="Times New Roman" panose="02020603050405020304" pitchFamily="18" charset="0"/>
+              </a:rPr>
+              <a:t> por</a:t>
+            </a:r>
+            <a:r>
+              <a:rPr lang="en-US" sz="2800" b="0" dirty="0">
+                <a:solidFill>
+                  <a:schemeClr val="tx1"/>
+                </a:solidFill>
+                <a:effectLst/>
+                <a:latin typeface="Calibri" panose="020F0502020204030204" pitchFamily="34" charset="0"/>
+                <a:ea typeface="Calibri" panose="020F0502020204030204" pitchFamily="34" charset="0"/>
+                <a:cs typeface="Times New Roman" panose="02020603050405020304" pitchFamily="18" charset="0"/>
+              </a:rPr>
+              <a:t> parsing de </a:t>
+            </a:r>
+            <a:r>
+              <a:rPr lang="en-US" sz="2800" b="0" dirty="0" err="1">
+                <a:solidFill>
+                  <a:schemeClr val="tx1"/>
+                </a:solidFill>
+                <a:effectLst/>
+                <a:latin typeface="Calibri" panose="020F0502020204030204" pitchFamily="34" charset="0"/>
+                <a:ea typeface="Calibri" panose="020F0502020204030204" pitchFamily="34" charset="0"/>
+                <a:cs typeface="Times New Roman" panose="02020603050405020304" pitchFamily="18" charset="0"/>
+              </a:rPr>
+              <a:t>atributos</a:t>
+            </a:r>
+            <a:r>
+              <a:rPr lang="en-US" sz="2800" b="0" dirty="0">
+                <a:solidFill>
+                  <a:schemeClr val="tx1"/>
+                </a:solidFill>
+                <a:effectLst/>
+                <a:latin typeface="Calibri" panose="020F0502020204030204" pitchFamily="34" charset="0"/>
+                <a:ea typeface="Calibri" panose="020F0502020204030204" pitchFamily="34" charset="0"/>
+                <a:cs typeface="Times New Roman" panose="02020603050405020304" pitchFamily="18" charset="0"/>
+              </a:rPr>
+              <a:t> string do </a:t>
+            </a:r>
+            <a:r>
+              <a:rPr lang="en-US" sz="2800" b="0" dirty="0" err="1">
+                <a:solidFill>
+                  <a:schemeClr val="tx1"/>
+                </a:solidFill>
+                <a:effectLst/>
+                <a:latin typeface="Calibri" panose="020F0502020204030204" pitchFamily="34" charset="0"/>
+                <a:ea typeface="Calibri" panose="020F0502020204030204" pitchFamily="34" charset="0"/>
+                <a:cs typeface="Times New Roman" panose="02020603050405020304" pitchFamily="18" charset="0"/>
+              </a:rPr>
+              <a:t>primeiro</a:t>
+            </a:r>
+            <a:r>
+              <a:rPr lang="en-US" sz="2800" b="0" dirty="0">
+                <a:solidFill>
+                  <a:schemeClr val="tx1"/>
+                </a:solidFill>
+                <a:effectLst/>
+                <a:latin typeface="Calibri" panose="020F0502020204030204" pitchFamily="34" charset="0"/>
+                <a:ea typeface="Calibri" panose="020F0502020204030204" pitchFamily="34" charset="0"/>
+                <a:cs typeface="Times New Roman" panose="02020603050405020304" pitchFamily="18" charset="0"/>
+              </a:rPr>
+              <a:t> dataset original e </a:t>
+            </a:r>
+            <a:r>
+              <a:rPr lang="en-US" sz="2800" b="0" dirty="0" err="1">
+                <a:solidFill>
+                  <a:schemeClr val="tx1"/>
+                </a:solidFill>
+                <a:effectLst/>
+                <a:latin typeface="Calibri" panose="020F0502020204030204" pitchFamily="34" charset="0"/>
+                <a:ea typeface="Calibri" panose="020F0502020204030204" pitchFamily="34" charset="0"/>
+                <a:cs typeface="Times New Roman" panose="02020603050405020304" pitchFamily="18" charset="0"/>
+              </a:rPr>
+              <a:t>convertendo</a:t>
+            </a:r>
+            <a:r>
+              <a:rPr lang="en-US" sz="2800" b="0" dirty="0">
+                <a:solidFill>
+                  <a:schemeClr val="tx1"/>
+                </a:solidFill>
+                <a:effectLst/>
+                <a:latin typeface="Calibri" panose="020F0502020204030204" pitchFamily="34" charset="0"/>
+                <a:ea typeface="Calibri" panose="020F0502020204030204" pitchFamily="34" charset="0"/>
+                <a:cs typeface="Times New Roman" panose="02020603050405020304" pitchFamily="18" charset="0"/>
+              </a:rPr>
+              <a:t> </a:t>
+            </a:r>
+            <a:r>
+              <a:rPr lang="en-US" sz="2800" b="0" dirty="0" err="1">
+                <a:solidFill>
+                  <a:schemeClr val="tx1"/>
+                </a:solidFill>
+                <a:effectLst/>
+                <a:latin typeface="Calibri" panose="020F0502020204030204" pitchFamily="34" charset="0"/>
+                <a:ea typeface="Calibri" panose="020F0502020204030204" pitchFamily="34" charset="0"/>
+                <a:cs typeface="Times New Roman" panose="02020603050405020304" pitchFamily="18" charset="0"/>
+              </a:rPr>
+              <a:t>noutro</a:t>
+            </a:r>
+            <a:r>
+              <a:rPr lang="en-US" sz="2800" b="0" dirty="0">
+                <a:solidFill>
+                  <a:schemeClr val="tx1"/>
+                </a:solidFill>
+                <a:effectLst/>
+                <a:latin typeface="Calibri" panose="020F0502020204030204" pitchFamily="34" charset="0"/>
+                <a:ea typeface="Calibri" panose="020F0502020204030204" pitchFamily="34" charset="0"/>
+                <a:cs typeface="Times New Roman" panose="02020603050405020304" pitchFamily="18" charset="0"/>
+              </a:rPr>
+              <a:t> </a:t>
+            </a:r>
+            <a:r>
+              <a:rPr lang="en-US" sz="2800" b="0" dirty="0" err="1">
+                <a:solidFill>
+                  <a:schemeClr val="tx1"/>
+                </a:solidFill>
+                <a:effectLst/>
+                <a:latin typeface="Calibri" panose="020F0502020204030204" pitchFamily="34" charset="0"/>
+                <a:ea typeface="Calibri" panose="020F0502020204030204" pitchFamily="34" charset="0"/>
+                <a:cs typeface="Times New Roman" panose="02020603050405020304" pitchFamily="18" charset="0"/>
+              </a:rPr>
+              <a:t>tipo</a:t>
+            </a:r>
+            <a:r>
+              <a:rPr lang="en-US" sz="2800" b="0" dirty="0">
+                <a:solidFill>
+                  <a:schemeClr val="tx1"/>
+                </a:solidFill>
+                <a:effectLst/>
+                <a:latin typeface="Calibri" panose="020F0502020204030204" pitchFamily="34" charset="0"/>
+                <a:ea typeface="Calibri" panose="020F0502020204030204" pitchFamily="34" charset="0"/>
+                <a:cs typeface="Times New Roman" panose="02020603050405020304" pitchFamily="18" charset="0"/>
+              </a:rPr>
+              <a:t> para o dataset final. </a:t>
+            </a:r>
+          </a:p>
+          <a:p>
+            <a:pPr algn="just">
+              <a:lnSpc>
+                <a:spcPct val="107000"/>
+              </a:lnSpc>
+              <a:spcAft>
+                <a:spcPts val="800"/>
+              </a:spcAft>
+            </a:pPr>
+            <a:r>
+              <a:rPr lang="en-US" sz="2800" b="0" dirty="0">
+                <a:solidFill>
+                  <a:schemeClr val="tx1"/>
+                </a:solidFill>
+                <a:effectLst/>
+                <a:latin typeface="Calibri" panose="020F0502020204030204" pitchFamily="34" charset="0"/>
+                <a:ea typeface="Calibri" panose="020F0502020204030204" pitchFamily="34" charset="0"/>
+                <a:cs typeface="Times New Roman" panose="02020603050405020304" pitchFamily="18" charset="0"/>
+              </a:rPr>
+              <a:t>Para o </a:t>
+            </a:r>
+            <a:r>
+              <a:rPr lang="en-US" sz="2800" b="0" dirty="0" err="1">
+                <a:solidFill>
+                  <a:schemeClr val="tx1"/>
+                </a:solidFill>
+                <a:effectLst/>
+                <a:latin typeface="Calibri" panose="020F0502020204030204" pitchFamily="34" charset="0"/>
+                <a:ea typeface="Calibri" panose="020F0502020204030204" pitchFamily="34" charset="0"/>
+                <a:cs typeface="Times New Roman" panose="02020603050405020304" pitchFamily="18" charset="0"/>
+              </a:rPr>
+              <a:t>segundo</a:t>
+            </a:r>
+            <a:r>
+              <a:rPr lang="en-US" sz="2800" b="0" dirty="0">
+                <a:solidFill>
+                  <a:schemeClr val="tx1"/>
+                </a:solidFill>
+                <a:effectLst/>
+                <a:latin typeface="Calibri" panose="020F0502020204030204" pitchFamily="34" charset="0"/>
+                <a:ea typeface="Calibri" panose="020F0502020204030204" pitchFamily="34" charset="0"/>
+                <a:cs typeface="Times New Roman" panose="02020603050405020304" pitchFamily="18" charset="0"/>
+              </a:rPr>
+              <a:t> dataset final, </a:t>
+            </a:r>
+            <a:r>
+              <a:rPr lang="en-US" sz="2800" b="0" dirty="0" err="1">
+                <a:solidFill>
+                  <a:schemeClr val="tx1"/>
+                </a:solidFill>
+                <a:effectLst/>
+                <a:latin typeface="Calibri" panose="020F0502020204030204" pitchFamily="34" charset="0"/>
+                <a:ea typeface="Calibri" panose="020F0502020204030204" pitchFamily="34" charset="0"/>
+                <a:cs typeface="Times New Roman" panose="02020603050405020304" pitchFamily="18" charset="0"/>
+              </a:rPr>
+              <a:t>nós</a:t>
+            </a:r>
+            <a:r>
+              <a:rPr lang="en-US" sz="2800" b="0" dirty="0">
+                <a:solidFill>
+                  <a:schemeClr val="tx1"/>
+                </a:solidFill>
+                <a:effectLst/>
+                <a:latin typeface="Calibri" panose="020F0502020204030204" pitchFamily="34" charset="0"/>
+                <a:ea typeface="Calibri" panose="020F0502020204030204" pitchFamily="34" charset="0"/>
+                <a:cs typeface="Times New Roman" panose="02020603050405020304" pitchFamily="18" charset="0"/>
+              </a:rPr>
+              <a:t> </a:t>
+            </a:r>
+            <a:r>
+              <a:rPr lang="en-US" sz="2800" b="0" dirty="0" err="1">
+                <a:solidFill>
+                  <a:schemeClr val="tx1"/>
+                </a:solidFill>
+                <a:effectLst/>
+                <a:latin typeface="Calibri" panose="020F0502020204030204" pitchFamily="34" charset="0"/>
+                <a:ea typeface="Calibri" panose="020F0502020204030204" pitchFamily="34" charset="0"/>
+                <a:cs typeface="Times New Roman" panose="02020603050405020304" pitchFamily="18" charset="0"/>
+              </a:rPr>
+              <a:t>retirámos</a:t>
+            </a:r>
+            <a:r>
+              <a:rPr lang="en-US" sz="2800" b="0" dirty="0">
+                <a:solidFill>
+                  <a:schemeClr val="tx1"/>
+                </a:solidFill>
+                <a:effectLst/>
+                <a:latin typeface="Calibri" panose="020F0502020204030204" pitchFamily="34" charset="0"/>
+                <a:ea typeface="Calibri" panose="020F0502020204030204" pitchFamily="34" charset="0"/>
+                <a:cs typeface="Times New Roman" panose="02020603050405020304" pitchFamily="18" charset="0"/>
+              </a:rPr>
+              <a:t> </a:t>
+            </a:r>
+            <a:r>
+              <a:rPr lang="en-US" sz="2800" b="0" dirty="0" err="1">
+                <a:solidFill>
+                  <a:schemeClr val="tx1"/>
+                </a:solidFill>
+                <a:effectLst/>
+                <a:latin typeface="Calibri" panose="020F0502020204030204" pitchFamily="34" charset="0"/>
+                <a:ea typeface="Calibri" panose="020F0502020204030204" pitchFamily="34" charset="0"/>
+                <a:cs typeface="Times New Roman" panose="02020603050405020304" pitchFamily="18" charset="0"/>
+              </a:rPr>
+              <a:t>os</a:t>
+            </a:r>
+            <a:r>
+              <a:rPr lang="en-US" sz="2800" b="0" dirty="0">
+                <a:solidFill>
+                  <a:schemeClr val="tx1"/>
+                </a:solidFill>
+                <a:effectLst/>
+                <a:latin typeface="Calibri" panose="020F0502020204030204" pitchFamily="34" charset="0"/>
+                <a:ea typeface="Calibri" panose="020F0502020204030204" pitchFamily="34" charset="0"/>
+                <a:cs typeface="Times New Roman" panose="02020603050405020304" pitchFamily="18" charset="0"/>
+              </a:rPr>
+              <a:t> dados do </a:t>
+            </a:r>
+            <a:r>
+              <a:rPr lang="en-US" sz="2800" b="0" dirty="0" err="1">
+                <a:solidFill>
+                  <a:schemeClr val="tx1"/>
+                </a:solidFill>
+                <a:effectLst/>
+                <a:latin typeface="Calibri" panose="020F0502020204030204" pitchFamily="34" charset="0"/>
+                <a:ea typeface="Calibri" panose="020F0502020204030204" pitchFamily="34" charset="0"/>
+                <a:cs typeface="Times New Roman" panose="02020603050405020304" pitchFamily="18" charset="0"/>
+              </a:rPr>
+              <a:t>segundo</a:t>
+            </a:r>
+            <a:r>
+              <a:rPr lang="en-US" sz="2800" b="0" dirty="0">
+                <a:solidFill>
+                  <a:schemeClr val="tx1"/>
+                </a:solidFill>
+                <a:effectLst/>
+                <a:latin typeface="Calibri" panose="020F0502020204030204" pitchFamily="34" charset="0"/>
+                <a:ea typeface="Calibri" panose="020F0502020204030204" pitchFamily="34" charset="0"/>
+                <a:cs typeface="Times New Roman" panose="02020603050405020304" pitchFamily="18" charset="0"/>
+              </a:rPr>
+              <a:t> dataset original (</a:t>
+            </a:r>
+            <a:r>
+              <a:rPr lang="en-US" sz="2800" b="0" dirty="0" err="1">
+                <a:solidFill>
+                  <a:schemeClr val="tx1"/>
+                </a:solidFill>
+                <a:effectLst/>
+                <a:latin typeface="Calibri" panose="020F0502020204030204" pitchFamily="34" charset="0"/>
+                <a:ea typeface="Calibri" panose="020F0502020204030204" pitchFamily="34" charset="0"/>
+                <a:cs typeface="Times New Roman" panose="02020603050405020304" pitchFamily="18" charset="0"/>
+              </a:rPr>
+              <a:t>uma</a:t>
+            </a:r>
+            <a:r>
+              <a:rPr lang="en-US" sz="2800" b="0" dirty="0">
+                <a:solidFill>
+                  <a:schemeClr val="tx1"/>
+                </a:solidFill>
+                <a:effectLst/>
+                <a:latin typeface="Calibri" panose="020F0502020204030204" pitchFamily="34" charset="0"/>
+                <a:ea typeface="Calibri" panose="020F0502020204030204" pitchFamily="34" charset="0"/>
+                <a:cs typeface="Times New Roman" panose="02020603050405020304" pitchFamily="18" charset="0"/>
+              </a:rPr>
+              <a:t> </a:t>
+            </a:r>
+            <a:r>
+              <a:rPr lang="en-US" sz="2800" b="0" dirty="0" err="1">
+                <a:solidFill>
+                  <a:schemeClr val="tx1"/>
+                </a:solidFill>
+                <a:effectLst/>
+                <a:latin typeface="Calibri" panose="020F0502020204030204" pitchFamily="34" charset="0"/>
+                <a:ea typeface="Calibri" panose="020F0502020204030204" pitchFamily="34" charset="0"/>
+                <a:cs typeface="Times New Roman" panose="02020603050405020304" pitchFamily="18" charset="0"/>
+              </a:rPr>
+              <a:t>tabela</a:t>
+            </a:r>
+            <a:r>
+              <a:rPr lang="en-US" sz="2800" b="0" dirty="0">
+                <a:solidFill>
+                  <a:schemeClr val="tx1"/>
+                </a:solidFill>
+                <a:effectLst/>
+                <a:latin typeface="Calibri" panose="020F0502020204030204" pitchFamily="34" charset="0"/>
+                <a:ea typeface="Calibri" panose="020F0502020204030204" pitchFamily="34" charset="0"/>
+                <a:cs typeface="Times New Roman" panose="02020603050405020304" pitchFamily="18" charset="0"/>
+              </a:rPr>
+              <a:t> de Brand/year com </a:t>
+            </a:r>
+            <a:r>
+              <a:rPr lang="en-US" sz="2800" b="0" dirty="0" err="1">
+                <a:solidFill>
+                  <a:schemeClr val="tx1"/>
+                </a:solidFill>
+                <a:effectLst/>
+                <a:latin typeface="Calibri" panose="020F0502020204030204" pitchFamily="34" charset="0"/>
+                <a:ea typeface="Calibri" panose="020F0502020204030204" pitchFamily="34" charset="0"/>
+                <a:cs typeface="Times New Roman" panose="02020603050405020304" pitchFamily="18" charset="0"/>
+              </a:rPr>
+              <a:t>valores</a:t>
+            </a:r>
+            <a:r>
+              <a:rPr lang="en-US" sz="2800" b="0" dirty="0">
+                <a:solidFill>
+                  <a:schemeClr val="tx1"/>
+                </a:solidFill>
+                <a:effectLst/>
+                <a:latin typeface="Calibri" panose="020F0502020204030204" pitchFamily="34" charset="0"/>
+                <a:ea typeface="Calibri" panose="020F0502020204030204" pitchFamily="34" charset="0"/>
+                <a:cs typeface="Times New Roman" panose="02020603050405020304" pitchFamily="18" charset="0"/>
+              </a:rPr>
+              <a:t> de </a:t>
+            </a:r>
+            <a:r>
+              <a:rPr lang="en-US" sz="2800" b="0" dirty="0" err="1">
+                <a:solidFill>
+                  <a:schemeClr val="tx1"/>
+                </a:solidFill>
+                <a:effectLst/>
+                <a:latin typeface="Calibri" panose="020F0502020204030204" pitchFamily="34" charset="0"/>
+                <a:ea typeface="Calibri" panose="020F0502020204030204" pitchFamily="34" charset="0"/>
+                <a:cs typeface="Times New Roman" panose="02020603050405020304" pitchFamily="18" charset="0"/>
+              </a:rPr>
+              <a:t>vendas</a:t>
+            </a:r>
+            <a:r>
+              <a:rPr lang="en-US" sz="2800" b="0" dirty="0">
+                <a:solidFill>
+                  <a:schemeClr val="tx1"/>
+                </a:solidFill>
+                <a:effectLst/>
+                <a:latin typeface="Calibri" panose="020F0502020204030204" pitchFamily="34" charset="0"/>
+                <a:ea typeface="Calibri" panose="020F0502020204030204" pitchFamily="34" charset="0"/>
+                <a:cs typeface="Times New Roman" panose="02020603050405020304" pitchFamily="18" charset="0"/>
+              </a:rPr>
+              <a:t>) e </a:t>
+            </a:r>
+            <a:r>
+              <a:rPr lang="en-US" sz="2800" b="0" dirty="0" err="1">
+                <a:solidFill>
+                  <a:schemeClr val="tx1"/>
+                </a:solidFill>
+                <a:effectLst/>
+                <a:latin typeface="Calibri" panose="020F0502020204030204" pitchFamily="34" charset="0"/>
+                <a:ea typeface="Calibri" panose="020F0502020204030204" pitchFamily="34" charset="0"/>
+                <a:cs typeface="Times New Roman" panose="02020603050405020304" pitchFamily="18" charset="0"/>
+              </a:rPr>
+              <a:t>convertemos</a:t>
+            </a:r>
+            <a:r>
+              <a:rPr lang="en-US" sz="2800" b="0" dirty="0">
+                <a:solidFill>
+                  <a:schemeClr val="tx1"/>
+                </a:solidFill>
+                <a:effectLst/>
+                <a:latin typeface="Calibri" panose="020F0502020204030204" pitchFamily="34" charset="0"/>
+                <a:ea typeface="Calibri" panose="020F0502020204030204" pitchFamily="34" charset="0"/>
+                <a:cs typeface="Times New Roman" panose="02020603050405020304" pitchFamily="18" charset="0"/>
+              </a:rPr>
+              <a:t> </a:t>
+            </a:r>
+            <a:r>
+              <a:rPr lang="en-US" sz="2800" b="0" dirty="0" err="1">
+                <a:solidFill>
+                  <a:schemeClr val="tx1"/>
+                </a:solidFill>
+                <a:effectLst/>
+                <a:latin typeface="Calibri" panose="020F0502020204030204" pitchFamily="34" charset="0"/>
+                <a:ea typeface="Calibri" panose="020F0502020204030204" pitchFamily="34" charset="0"/>
+                <a:cs typeface="Times New Roman" panose="02020603050405020304" pitchFamily="18" charset="0"/>
+              </a:rPr>
+              <a:t>uma</a:t>
+            </a:r>
+            <a:r>
+              <a:rPr lang="en-US" sz="2800" b="0" dirty="0">
+                <a:solidFill>
+                  <a:schemeClr val="tx1"/>
+                </a:solidFill>
+                <a:effectLst/>
+                <a:latin typeface="Calibri" panose="020F0502020204030204" pitchFamily="34" charset="0"/>
+                <a:ea typeface="Calibri" panose="020F0502020204030204" pitchFamily="34" charset="0"/>
+                <a:cs typeface="Times New Roman" panose="02020603050405020304" pitchFamily="18" charset="0"/>
+              </a:rPr>
+              <a:t> </a:t>
+            </a:r>
+            <a:r>
+              <a:rPr lang="en-US" sz="2800" b="0" dirty="0" err="1">
+                <a:solidFill>
+                  <a:schemeClr val="tx1"/>
+                </a:solidFill>
+                <a:effectLst/>
+                <a:latin typeface="Calibri" panose="020F0502020204030204" pitchFamily="34" charset="0"/>
+                <a:ea typeface="Calibri" panose="020F0502020204030204" pitchFamily="34" charset="0"/>
+                <a:cs typeface="Times New Roman" panose="02020603050405020304" pitchFamily="18" charset="0"/>
+              </a:rPr>
+              <a:t>tabela</a:t>
+            </a:r>
+            <a:r>
+              <a:rPr lang="en-US" sz="2800" b="0" dirty="0">
+                <a:solidFill>
+                  <a:schemeClr val="tx1"/>
+                </a:solidFill>
+                <a:effectLst/>
+                <a:latin typeface="Calibri" panose="020F0502020204030204" pitchFamily="34" charset="0"/>
+                <a:ea typeface="Calibri" panose="020F0502020204030204" pitchFamily="34" charset="0"/>
+                <a:cs typeface="Times New Roman" panose="02020603050405020304" pitchFamily="18" charset="0"/>
+              </a:rPr>
+              <a:t> de </a:t>
+            </a:r>
+            <a:r>
+              <a:rPr lang="en-US" sz="2800" b="0" dirty="0" err="1">
+                <a:solidFill>
+                  <a:schemeClr val="tx1"/>
+                </a:solidFill>
+                <a:effectLst/>
+                <a:latin typeface="Calibri" panose="020F0502020204030204" pitchFamily="34" charset="0"/>
+                <a:ea typeface="Calibri" panose="020F0502020204030204" pitchFamily="34" charset="0"/>
+                <a:cs typeface="Times New Roman" panose="02020603050405020304" pitchFamily="18" charset="0"/>
+              </a:rPr>
+              <a:t>colunas</a:t>
+            </a:r>
+            <a:r>
+              <a:rPr lang="en-US" sz="2800" b="0" dirty="0">
+                <a:solidFill>
+                  <a:schemeClr val="tx1"/>
+                </a:solidFill>
+                <a:effectLst/>
+                <a:latin typeface="Calibri" panose="020F0502020204030204" pitchFamily="34" charset="0"/>
+                <a:ea typeface="Calibri" panose="020F0502020204030204" pitchFamily="34" charset="0"/>
+                <a:cs typeface="Times New Roman" panose="02020603050405020304" pitchFamily="18" charset="0"/>
+              </a:rPr>
+              <a:t> Brand, Year, Sales e # Models (do </a:t>
+            </a:r>
+            <a:r>
+              <a:rPr lang="en-US" sz="2800" b="0" dirty="0" err="1">
+                <a:solidFill>
+                  <a:schemeClr val="tx1"/>
+                </a:solidFill>
+                <a:effectLst/>
+                <a:latin typeface="Calibri" panose="020F0502020204030204" pitchFamily="34" charset="0"/>
+                <a:ea typeface="Calibri" panose="020F0502020204030204" pitchFamily="34" charset="0"/>
+                <a:cs typeface="Times New Roman" panose="02020603050405020304" pitchFamily="18" charset="0"/>
+              </a:rPr>
+              <a:t>primeiro</a:t>
+            </a:r>
+            <a:r>
+              <a:rPr lang="en-US" sz="2800" b="0" dirty="0">
+                <a:solidFill>
+                  <a:schemeClr val="tx1"/>
+                </a:solidFill>
+                <a:effectLst/>
+                <a:latin typeface="Calibri" panose="020F0502020204030204" pitchFamily="34" charset="0"/>
+                <a:ea typeface="Calibri" panose="020F0502020204030204" pitchFamily="34" charset="0"/>
+                <a:cs typeface="Times New Roman" panose="02020603050405020304" pitchFamily="18" charset="0"/>
+              </a:rPr>
+              <a:t> dataset original). </a:t>
             </a:r>
             <a:endParaRPr lang="pt-PT" sz="2800" b="0" dirty="0">
               <a:solidFill>

--- a/Checkpoints Outline/Checkpoint 2/Checkpoint 2 - G16.pptx
+++ b/Checkpoints Outline/Checkpoint 2/Checkpoint 2 - G16.pptx
@@ -233,7 +233,7 @@
           <a:p>
             <a:fld id="{745C36E7-9E00-462E-80A3-32F2BE615C7A}" type="datetimeFigureOut">
               <a:rPr lang="en-US" smtClean="0"/>
-              <a:t>10/17/2020</a:t>
+              <a:t>10/20/2020</a:t>
             </a:fld>
             <a:endParaRPr lang="en-US"/>
           </a:p>
@@ -399,7 +399,7 @@
             <a:fld id="{01F3E309-ED8D-4193-99AF-E5EA90965E98}" type="datetimeFigureOut">
               <a:rPr lang="en-US" smtClean="0"/>
               <a:pPr/>
-              <a:t>10/17/2020</a:t>
+              <a:t>10/20/2020</a:t>
             </a:fld>
             <a:endParaRPr lang="en-US"/>
           </a:p>
@@ -1762,6 +1762,14 @@
           <a:bodyPr/>
           <a:lstStyle/>
           <a:p>
+            <a:r>
+              <a:rPr lang="en-US" baseline="0" dirty="0"/>
+              <a:t>Revenue = </a:t>
+            </a:r>
+            <a:r>
+              <a:rPr lang="en-US" baseline="0" dirty="0" err="1"/>
+              <a:t>receita</a:t>
+            </a:r>
             <a:endParaRPr lang="en-US" baseline="0" dirty="0"/>
           </a:p>
         </p:txBody>
@@ -2896,7 +2904,7 @@
             <a:fld id="{F3CC9924-33BC-4796-B0F9-D37DB5D899BF}" type="datetimeFigureOut">
               <a:rPr lang="pt-PT" smtClean="0"/>
               <a:pPr/>
-              <a:t>17/10/2020</a:t>
+              <a:t>20/10/2020</a:t>
             </a:fld>
             <a:endParaRPr lang="pt-PT"/>
           </a:p>
